--- a/Nova pasta/MAIS PRATOS.pptx
+++ b/Nova pasta/MAIS PRATOS.pptx
@@ -7,6 +7,8 @@
   <p:sldIdLst>
     <p:sldId id="256" r:id="rId2"/>
     <p:sldId id="257" r:id="rId3"/>
+    <p:sldId id="258" r:id="rId4"/>
+    <p:sldId id="259" r:id="rId5"/>
   </p:sldIdLst>
   <p:sldSz cx="12192000" cy="6858000"/>
   <p:notesSz cx="6858000" cy="9144000"/>
@@ -105,6 +107,11 @@
       </a:defRPr>
     </a:lvl9pPr>
   </p:defaultTextStyle>
+  <p:extLst>
+    <p:ext uri="{EFAFB233-063F-42B5-8137-9DF3F51BA10A}">
+      <p15:sldGuideLst xmlns:p15="http://schemas.microsoft.com/office/powerpoint/2012/main"/>
+    </p:ext>
+  </p:extLst>
 </p:presentation>
 </file>
 
@@ -203,7 +210,7 @@
           <a:effectLst/>
           <a:extLst>
             <a:ext uri="{91240B29-F687-4f45-9708-019B960494DF}">
-              <a14:hiddenLine xmlns="" xmlns:a14="http://schemas.microsoft.com/office/drawing/2010/main" w="9525">
+              <a14:hiddenLine xmlns:a14="http://schemas.microsoft.com/office/drawing/2010/main" xmlns="" w="9525">
                 <a:solidFill>
                   <a:srgbClr val="000000"/>
                 </a:solidFill>
@@ -396,7 +403,7 @@
             <a:fld id="{08B9EBBA-996F-894A-B54A-D6246ED52CEA}" type="datetimeFigureOut">
               <a:rPr lang="en-US" dirty="0"/>
               <a:pPr/>
-              <a:t>10/19/2019</a:t>
+              <a:t>10/29/2019</a:t>
             </a:fld>
             <a:endParaRPr lang="en-US" dirty="0"/>
           </a:p>
@@ -711,7 +718,7 @@
             <a:fld id="{18C79C5D-2A6F-F04D-97DA-BEF2467B64E4}" type="datetimeFigureOut">
               <a:rPr lang="en-US" dirty="0"/>
               <a:pPr/>
-              <a:t>10/19/2019</a:t>
+              <a:t>10/29/2019</a:t>
             </a:fld>
             <a:endParaRPr lang="en-US" dirty="0"/>
           </a:p>
@@ -1196,7 +1203,7 @@
             <a:fld id="{8DFA1846-DA80-1C48-A609-854EA85C59AD}" type="datetimeFigureOut">
               <a:rPr lang="en-US" dirty="0"/>
               <a:pPr/>
-              <a:t>10/19/2019</a:t>
+              <a:t>10/29/2019</a:t>
             </a:fld>
             <a:endParaRPr lang="en-US" dirty="0"/>
           </a:p>
@@ -1562,7 +1569,7 @@
             <a:fld id="{FBF54567-0DE4-3F47-BF90-CB84690072F9}" type="datetimeFigureOut">
               <a:rPr lang="en-US" dirty="0"/>
               <a:pPr/>
-              <a:t>10/19/2019</a:t>
+              <a:t>10/29/2019</a:t>
             </a:fld>
             <a:endParaRPr lang="en-US" dirty="0"/>
           </a:p>
@@ -1713,7 +1720,7 @@
           <a:ln/>
           <a:extLst>
             <a:ext uri="{91240B29-F687-4f45-9708-019B960494DF}">
-              <a14:hiddenLine xmlns="" xmlns:a14="http://schemas.microsoft.com/office/drawing/2010/main" w="9525">
+              <a14:hiddenLine xmlns:a14="http://schemas.microsoft.com/office/drawing/2010/main" xmlns="" w="9525">
                 <a:solidFill>
                   <a:srgbClr val="000000"/>
                 </a:solidFill>
@@ -1832,7 +1839,7 @@
             <a:fld id="{C6C52C72-DE31-F449-A4ED-4C594FD91407}" type="datetimeFigureOut">
               <a:rPr lang="en-US" dirty="0"/>
               <a:pPr/>
-              <a:t>10/19/2019</a:t>
+              <a:t>10/29/2019</a:t>
             </a:fld>
             <a:endParaRPr lang="en-US" dirty="0"/>
           </a:p>
@@ -1985,7 +1992,7 @@
           <a:ln/>
           <a:extLst>
             <a:ext uri="{91240B29-F687-4f45-9708-019B960494DF}">
-              <a14:hiddenLine xmlns="" xmlns:a14="http://schemas.microsoft.com/office/drawing/2010/main" w="9525">
+              <a14:hiddenLine xmlns:a14="http://schemas.microsoft.com/office/drawing/2010/main" xmlns="" w="9525">
                 <a:solidFill>
                   <a:srgbClr val="000000"/>
                 </a:solidFill>
@@ -2114,7 +2121,7 @@
             <a:fld id="{ED62726E-379B-B349-9EED-81ED093FA806}" type="datetimeFigureOut">
               <a:rPr lang="en-US" dirty="0"/>
               <a:pPr/>
-              <a:t>10/19/2019</a:t>
+              <a:t>10/29/2019</a:t>
             </a:fld>
             <a:endParaRPr lang="en-US" dirty="0"/>
           </a:p>
@@ -2265,7 +2272,7 @@
           <a:ln/>
           <a:extLst>
             <a:ext uri="{91240B29-F687-4f45-9708-019B960494DF}">
-              <a14:hiddenLine xmlns="" xmlns:a14="http://schemas.microsoft.com/office/drawing/2010/main" w="9525">
+              <a14:hiddenLine xmlns:a14="http://schemas.microsoft.com/office/drawing/2010/main" xmlns="" w="9525">
                 <a:solidFill>
                   <a:srgbClr val="000000"/>
                 </a:solidFill>
@@ -2394,7 +2401,7 @@
             <a:fld id="{9B3A1323-8D79-1946-B0D7-40001CF92E9D}" type="datetimeFigureOut">
               <a:rPr lang="en-US" dirty="0"/>
               <a:pPr/>
-              <a:t>10/19/2019</a:t>
+              <a:t>10/29/2019</a:t>
             </a:fld>
             <a:endParaRPr lang="en-US" dirty="0"/>
           </a:p>
@@ -2734,7 +2741,7 @@
             <a:fld id="{8DFA1846-DA80-1C48-A609-854EA85C59AD}" type="datetimeFigureOut">
               <a:rPr lang="en-US" dirty="0"/>
               <a:pPr/>
-              <a:t>10/19/2019</a:t>
+              <a:t>10/29/2019</a:t>
             </a:fld>
             <a:endParaRPr lang="en-US" dirty="0"/>
           </a:p>
@@ -2885,7 +2892,7 @@
           <a:ln/>
           <a:extLst>
             <a:ext uri="{91240B29-F687-4f45-9708-019B960494DF}">
-              <a14:hiddenLine xmlns="" xmlns:a14="http://schemas.microsoft.com/office/drawing/2010/main" w="9525">
+              <a14:hiddenLine xmlns:a14="http://schemas.microsoft.com/office/drawing/2010/main" xmlns="" w="9525">
                 <a:solidFill>
                   <a:srgbClr val="000000"/>
                 </a:solidFill>
@@ -3070,7 +3077,7 @@
             <a:fld id="{57302355-E14B-8545-A8F8-0FE83CC9D524}" type="datetimeFigureOut">
               <a:rPr lang="en-US" dirty="0"/>
               <a:pPr/>
-              <a:t>10/19/2019</a:t>
+              <a:t>10/29/2019</a:t>
             </a:fld>
             <a:endParaRPr lang="en-US" dirty="0"/>
           </a:p>
@@ -3221,7 +3228,7 @@
           <a:ln/>
           <a:extLst>
             <a:ext uri="{91240B29-F687-4f45-9708-019B960494DF}">
-              <a14:hiddenLine xmlns="" xmlns:a14="http://schemas.microsoft.com/office/drawing/2010/main" w="9525">
+              <a14:hiddenLine xmlns:a14="http://schemas.microsoft.com/office/drawing/2010/main" xmlns="" w="9525">
                 <a:solidFill>
                   <a:srgbClr val="000000"/>
                 </a:solidFill>
@@ -3544,7 +3551,7 @@
             <a:fld id="{02640F58-564D-2B4F-AE67-E407BA4FCF45}" type="datetimeFigureOut">
               <a:rPr lang="en-US" dirty="0"/>
               <a:pPr/>
-              <a:t>10/19/2019</a:t>
+              <a:t>10/29/2019</a:t>
             </a:fld>
             <a:endParaRPr lang="en-US" dirty="0"/>
           </a:p>
@@ -3695,7 +3702,7 @@
           <a:ln/>
           <a:extLst>
             <a:ext uri="{91240B29-F687-4f45-9708-019B960494DF}">
-              <a14:hiddenLine xmlns="" xmlns:a14="http://schemas.microsoft.com/office/drawing/2010/main" w="9525">
+              <a14:hiddenLine xmlns:a14="http://schemas.microsoft.com/office/drawing/2010/main" xmlns="" w="9525">
                 <a:solidFill>
                   <a:srgbClr val="000000"/>
                 </a:solidFill>
@@ -3762,7 +3769,7 @@
             <a:fld id="{F13A34C8-038E-2045-AF43-DF7DBB8E0E9E}" type="datetimeFigureOut">
               <a:rPr lang="en-US" dirty="0"/>
               <a:pPr/>
-              <a:t>10/19/2019</a:t>
+              <a:t>10/29/2019</a:t>
             </a:fld>
             <a:endParaRPr lang="en-US" dirty="0"/>
           </a:p>
@@ -3854,7 +3861,7 @@
             <a:fld id="{8818C68F-D26B-8F47-958C-23B49CF8A634}" type="datetimeFigureOut">
               <a:rPr lang="en-US" dirty="0"/>
               <a:pPr/>
-              <a:t>10/19/2019</a:t>
+              <a:t>10/29/2019</a:t>
             </a:fld>
             <a:endParaRPr lang="en-US" dirty="0"/>
           </a:p>
@@ -4118,7 +4125,7 @@
           <a:ln/>
           <a:extLst>
             <a:ext uri="{91240B29-F687-4f45-9708-019B960494DF}">
-              <a14:hiddenLine xmlns="" xmlns:a14="http://schemas.microsoft.com/office/drawing/2010/main" w="9525">
+              <a14:hiddenLine xmlns:a14="http://schemas.microsoft.com/office/drawing/2010/main" xmlns="" w="9525">
                 <a:solidFill>
                   <a:srgbClr val="000000"/>
                 </a:solidFill>
@@ -4318,7 +4325,7 @@
             <a:fld id="{D0DF5E60-9974-AC48-9591-99C2BB44B7CF}" type="datetimeFigureOut">
               <a:rPr lang="en-US" dirty="0"/>
               <a:pPr/>
-              <a:t>10/19/2019</a:t>
+              <a:t>10/29/2019</a:t>
             </a:fld>
             <a:endParaRPr lang="en-US" dirty="0"/>
           </a:p>
@@ -4628,7 +4635,7 @@
             <a:fld id="{18C79C5D-2A6F-F04D-97DA-BEF2467B64E4}" type="datetimeFigureOut">
               <a:rPr lang="en-US" dirty="0"/>
               <a:pPr/>
-              <a:t>10/19/2019</a:t>
+              <a:t>10/29/2019</a:t>
             </a:fld>
             <a:endParaRPr lang="en-US" dirty="0"/>
           </a:p>
@@ -4895,7 +4902,7 @@
             <a:fld id="{09B482E8-6E0E-1B4F-B1FD-C69DB9E858D9}" type="datetimeFigureOut">
               <a:rPr lang="en-US" dirty="0"/>
               <a:pPr/>
-              <a:t>10/19/2019</a:t>
+              <a:t>10/29/2019</a:t>
             </a:fld>
             <a:endParaRPr lang="en-US" dirty="0"/>
           </a:p>
@@ -5484,8 +5491,67 @@
                 <a:latin typeface="Arial" panose="020B0604020202020204" pitchFamily="34" charset="0"/>
                 <a:cs typeface="Arial" panose="020B0604020202020204" pitchFamily="34" charset="0"/>
               </a:rPr>
-              <a:t>6% de toda a produção alimentar da América Latina é desperdiçada pelo consumidor final.</a:t>
-            </a:r>
+              <a:t>28</a:t>
+            </a:r>
+            <a:r>
+              <a:rPr lang="pt-BR" dirty="0" smtClean="0">
+                <a:solidFill>
+                  <a:schemeClr val="bg1"/>
+                </a:solidFill>
+                <a:latin typeface="Arial" panose="020B0604020202020204" pitchFamily="34" charset="0"/>
+                <a:cs typeface="Arial" panose="020B0604020202020204" pitchFamily="34" charset="0"/>
+              </a:rPr>
+              <a:t>% </a:t>
+            </a:r>
+            <a:r>
+              <a:rPr lang="pt-BR" dirty="0" smtClean="0">
+                <a:solidFill>
+                  <a:schemeClr val="bg1"/>
+                </a:solidFill>
+                <a:latin typeface="Arial" panose="020B0604020202020204" pitchFamily="34" charset="0"/>
+                <a:cs typeface="Arial" panose="020B0604020202020204" pitchFamily="34" charset="0"/>
+              </a:rPr>
+              <a:t>de </a:t>
+            </a:r>
+            <a:r>
+              <a:rPr lang="pt-BR" dirty="0" smtClean="0">
+                <a:solidFill>
+                  <a:schemeClr val="bg1"/>
+                </a:solidFill>
+                <a:latin typeface="Arial" panose="020B0604020202020204" pitchFamily="34" charset="0"/>
+                <a:cs typeface="Arial" panose="020B0604020202020204" pitchFamily="34" charset="0"/>
+              </a:rPr>
+              <a:t>todo o desperdício de alimentos na América Latina se dá pelo </a:t>
+            </a:r>
+            <a:r>
+              <a:rPr lang="pt-BR" dirty="0" smtClean="0">
+                <a:solidFill>
+                  <a:schemeClr val="bg1"/>
+                </a:solidFill>
+                <a:latin typeface="Arial" panose="020B0604020202020204" pitchFamily="34" charset="0"/>
+                <a:cs typeface="Arial" panose="020B0604020202020204" pitchFamily="34" charset="0"/>
+              </a:rPr>
+              <a:t>consumidor final</a:t>
+            </a:r>
+            <a:r>
+              <a:rPr lang="pt-BR" dirty="0" smtClean="0">
+                <a:solidFill>
+                  <a:schemeClr val="bg1"/>
+                </a:solidFill>
+                <a:latin typeface="Arial" panose="020B0604020202020204" pitchFamily="34" charset="0"/>
+                <a:cs typeface="Arial" panose="020B0604020202020204" pitchFamily="34" charset="0"/>
+              </a:rPr>
+              <a:t>.</a:t>
+            </a:r>
+          </a:p>
+          <a:p>
+            <a:endParaRPr lang="pt-BR" dirty="0" smtClean="0">
+              <a:solidFill>
+                <a:schemeClr val="bg1"/>
+              </a:solidFill>
+              <a:latin typeface="Arial" panose="020B0604020202020204" pitchFamily="34" charset="0"/>
+              <a:cs typeface="Arial" panose="020B0604020202020204" pitchFamily="34" charset="0"/>
+            </a:endParaRPr>
           </a:p>
           <a:p>
             <a:endParaRPr lang="pt-BR" dirty="0">
@@ -5502,6 +5568,235 @@
     <p:extLst>
       <p:ext uri="{BB962C8B-B14F-4D97-AF65-F5344CB8AC3E}">
         <p14:creationId xmlns:p14="http://schemas.microsoft.com/office/powerpoint/2010/main" val="1853895577"/>
+      </p:ext>
+    </p:extLst>
+  </p:cSld>
+  <p:clrMapOvr>
+    <a:masterClrMapping/>
+  </p:clrMapOvr>
+</p:sld>
+</file>
+
+<file path=ppt/slides/slide3.xml><?xml version="1.0" encoding="utf-8"?>
+<p:sld xmlns:a="http://schemas.openxmlformats.org/drawingml/2006/main" xmlns:r="http://schemas.openxmlformats.org/officeDocument/2006/relationships" xmlns:p="http://schemas.openxmlformats.org/presentationml/2006/main">
+  <p:cSld>
+    <p:bg>
+      <p:bgPr>
+        <a:solidFill>
+          <a:schemeClr val="tx1"/>
+        </a:solidFill>
+        <a:effectLst/>
+      </p:bgPr>
+    </p:bg>
+    <p:spTree>
+      <p:nvGrpSpPr>
+        <p:cNvPr id="1" name=""/>
+        <p:cNvGrpSpPr/>
+        <p:nvPr/>
+      </p:nvGrpSpPr>
+      <p:grpSpPr>
+        <a:xfrm>
+          <a:off x="0" y="0"/>
+          <a:ext cx="0" cy="0"/>
+          <a:chOff x="0" y="0"/>
+          <a:chExt cx="0" cy="0"/>
+        </a:xfrm>
+      </p:grpSpPr>
+      <p:sp>
+        <p:nvSpPr>
+          <p:cNvPr id="2" name="Título 1"/>
+          <p:cNvSpPr>
+            <a:spLocks noGrp="1"/>
+          </p:cNvSpPr>
+          <p:nvPr>
+            <p:ph type="title"/>
+          </p:nvPr>
+        </p:nvSpPr>
+        <p:spPr/>
+        <p:txBody>
+          <a:bodyPr/>
+          <a:lstStyle/>
+          <a:p>
+            <a:r>
+              <a:rPr lang="pt-BR" dirty="0" smtClean="0"/>
+              <a:t>Hábitos que levam ao desperdício</a:t>
+            </a:r>
+            <a:endParaRPr lang="pt-BR" dirty="0"/>
+          </a:p>
+        </p:txBody>
+      </p:sp>
+      <p:sp>
+        <p:nvSpPr>
+          <p:cNvPr id="3" name="Espaço Reservado para Conteúdo 2"/>
+          <p:cNvSpPr>
+            <a:spLocks noGrp="1"/>
+          </p:cNvSpPr>
+          <p:nvPr>
+            <p:ph idx="1"/>
+          </p:nvPr>
+        </p:nvSpPr>
+        <p:spPr/>
+        <p:txBody>
+          <a:bodyPr/>
+          <a:lstStyle/>
+          <a:p>
+            <a:r>
+              <a:rPr lang="pt-BR" dirty="0" smtClean="0">
+                <a:solidFill>
+                  <a:schemeClr val="bg1"/>
+                </a:solidFill>
+              </a:rPr>
+              <a:t>Compras mensais;</a:t>
+            </a:r>
+          </a:p>
+          <a:p>
+            <a:r>
+              <a:rPr lang="pt-BR" dirty="0" smtClean="0">
+                <a:solidFill>
+                  <a:schemeClr val="bg1"/>
+                </a:solidFill>
+              </a:rPr>
+              <a:t>Monopolização da cozinha;</a:t>
+            </a:r>
+          </a:p>
+          <a:p>
+            <a:r>
+              <a:rPr lang="pt-BR" dirty="0" smtClean="0">
+                <a:solidFill>
+                  <a:schemeClr val="bg1"/>
+                </a:solidFill>
+              </a:rPr>
+              <a:t>Falta de preparo;</a:t>
+            </a:r>
+          </a:p>
+        </p:txBody>
+      </p:sp>
+    </p:spTree>
+    <p:extLst>
+      <p:ext uri="{BB962C8B-B14F-4D97-AF65-F5344CB8AC3E}">
+        <p14:creationId xmlns:p14="http://schemas.microsoft.com/office/powerpoint/2010/main" val="3635902036"/>
+      </p:ext>
+    </p:extLst>
+  </p:cSld>
+  <p:clrMapOvr>
+    <a:masterClrMapping/>
+  </p:clrMapOvr>
+</p:sld>
+</file>
+
+<file path=ppt/slides/slide4.xml><?xml version="1.0" encoding="utf-8"?>
+<p:sld xmlns:a="http://schemas.openxmlformats.org/drawingml/2006/main" xmlns:r="http://schemas.openxmlformats.org/officeDocument/2006/relationships" xmlns:p="http://schemas.openxmlformats.org/presentationml/2006/main">
+  <p:cSld>
+    <p:bg>
+      <p:bgPr>
+        <a:solidFill>
+          <a:schemeClr val="tx1"/>
+        </a:solidFill>
+        <a:effectLst/>
+      </p:bgPr>
+    </p:bg>
+    <p:spTree>
+      <p:nvGrpSpPr>
+        <p:cNvPr id="1" name=""/>
+        <p:cNvGrpSpPr/>
+        <p:nvPr/>
+      </p:nvGrpSpPr>
+      <p:grpSpPr>
+        <a:xfrm>
+          <a:off x="0" y="0"/>
+          <a:ext cx="0" cy="0"/>
+          <a:chOff x="0" y="0"/>
+          <a:chExt cx="0" cy="0"/>
+        </a:xfrm>
+      </p:grpSpPr>
+      <p:sp>
+        <p:nvSpPr>
+          <p:cNvPr id="2" name="Título 1"/>
+          <p:cNvSpPr>
+            <a:spLocks noGrp="1"/>
+          </p:cNvSpPr>
+          <p:nvPr>
+            <p:ph type="title"/>
+          </p:nvPr>
+        </p:nvSpPr>
+        <p:spPr/>
+        <p:txBody>
+          <a:bodyPr/>
+          <a:lstStyle/>
+          <a:p>
+            <a:r>
+              <a:rPr lang="pt-BR" dirty="0" smtClean="0"/>
+              <a:t>Proposta do trabalho</a:t>
+            </a:r>
+            <a:endParaRPr lang="pt-BR" dirty="0"/>
+          </a:p>
+        </p:txBody>
+      </p:sp>
+      <p:sp>
+        <p:nvSpPr>
+          <p:cNvPr id="3" name="Espaço Reservado para Conteúdo 2"/>
+          <p:cNvSpPr>
+            <a:spLocks noGrp="1"/>
+          </p:cNvSpPr>
+          <p:nvPr>
+            <p:ph idx="1"/>
+          </p:nvPr>
+        </p:nvSpPr>
+        <p:spPr/>
+        <p:txBody>
+          <a:bodyPr/>
+          <a:lstStyle/>
+          <a:p>
+            <a:r>
+              <a:rPr lang="pt-BR" dirty="0" err="1" smtClean="0">
+                <a:solidFill>
+                  <a:schemeClr val="bg1"/>
+                </a:solidFill>
+              </a:rPr>
+              <a:t>Gamification</a:t>
+            </a:r>
+            <a:r>
+              <a:rPr lang="pt-BR" dirty="0" smtClean="0">
+                <a:solidFill>
+                  <a:schemeClr val="bg1"/>
+                </a:solidFill>
+              </a:rPr>
+              <a:t>;</a:t>
+            </a:r>
+          </a:p>
+          <a:p>
+            <a:r>
+              <a:rPr lang="pt-BR" dirty="0" smtClean="0">
+                <a:solidFill>
+                  <a:schemeClr val="bg1"/>
+                </a:solidFill>
+              </a:rPr>
+              <a:t>Gerenciamento de elementos;</a:t>
+            </a:r>
+          </a:p>
+          <a:p>
+            <a:r>
+              <a:rPr lang="pt-BR" dirty="0" smtClean="0">
+                <a:solidFill>
+                  <a:schemeClr val="bg1"/>
+                </a:solidFill>
+              </a:rPr>
+              <a:t>Facilitar o manuseio;</a:t>
+            </a:r>
+          </a:p>
+          <a:p>
+            <a:endParaRPr lang="pt-BR" dirty="0" smtClean="0">
+              <a:solidFill>
+                <a:schemeClr val="bg1"/>
+              </a:solidFill>
+            </a:endParaRPr>
+          </a:p>
+        </p:txBody>
+      </p:sp>
+    </p:spTree>
+    <p:extLst>
+      <p:ext uri="{BB962C8B-B14F-4D97-AF65-F5344CB8AC3E}">
+        <p14:creationId xmlns:p14="http://schemas.microsoft.com/office/powerpoint/2010/main" val="1669547191"/>
       </p:ext>
     </p:extLst>
   </p:cSld>

--- a/Nova pasta/MAIS PRATOS.pptx
+++ b/Nova pasta/MAIS PRATOS.pptx
@@ -9,6 +9,8 @@
     <p:sldId id="257" r:id="rId3"/>
     <p:sldId id="258" r:id="rId4"/>
     <p:sldId id="259" r:id="rId5"/>
+    <p:sldId id="260" r:id="rId6"/>
+    <p:sldId id="261" r:id="rId7"/>
   </p:sldIdLst>
   <p:sldSz cx="12192000" cy="6858000"/>
   <p:notesSz cx="6858000" cy="9144000"/>
@@ -210,7 +212,7 @@
           <a:effectLst/>
           <a:extLst>
             <a:ext uri="{91240B29-F687-4f45-9708-019B960494DF}">
-              <a14:hiddenLine xmlns:a14="http://schemas.microsoft.com/office/drawing/2010/main" xmlns="" w="9525">
+              <a14:hiddenLine xmlns="" xmlns:a14="http://schemas.microsoft.com/office/drawing/2010/main" w="9525">
                 <a:solidFill>
                   <a:srgbClr val="000000"/>
                 </a:solidFill>
@@ -403,7 +405,7 @@
             <a:fld id="{08B9EBBA-996F-894A-B54A-D6246ED52CEA}" type="datetimeFigureOut">
               <a:rPr lang="en-US" dirty="0"/>
               <a:pPr/>
-              <a:t>10/29/2019</a:t>
+              <a:t>11/4/2019</a:t>
             </a:fld>
             <a:endParaRPr lang="en-US" dirty="0"/>
           </a:p>
@@ -718,7 +720,7 @@
             <a:fld id="{18C79C5D-2A6F-F04D-97DA-BEF2467B64E4}" type="datetimeFigureOut">
               <a:rPr lang="en-US" dirty="0"/>
               <a:pPr/>
-              <a:t>10/29/2019</a:t>
+              <a:t>11/4/2019</a:t>
             </a:fld>
             <a:endParaRPr lang="en-US" dirty="0"/>
           </a:p>
@@ -1203,7 +1205,7 @@
             <a:fld id="{8DFA1846-DA80-1C48-A609-854EA85C59AD}" type="datetimeFigureOut">
               <a:rPr lang="en-US" dirty="0"/>
               <a:pPr/>
-              <a:t>10/29/2019</a:t>
+              <a:t>11/4/2019</a:t>
             </a:fld>
             <a:endParaRPr lang="en-US" dirty="0"/>
           </a:p>
@@ -1569,7 +1571,7 @@
             <a:fld id="{FBF54567-0DE4-3F47-BF90-CB84690072F9}" type="datetimeFigureOut">
               <a:rPr lang="en-US" dirty="0"/>
               <a:pPr/>
-              <a:t>10/29/2019</a:t>
+              <a:t>11/4/2019</a:t>
             </a:fld>
             <a:endParaRPr lang="en-US" dirty="0"/>
           </a:p>
@@ -1720,7 +1722,7 @@
           <a:ln/>
           <a:extLst>
             <a:ext uri="{91240B29-F687-4f45-9708-019B960494DF}">
-              <a14:hiddenLine xmlns:a14="http://schemas.microsoft.com/office/drawing/2010/main" xmlns="" w="9525">
+              <a14:hiddenLine xmlns="" xmlns:a14="http://schemas.microsoft.com/office/drawing/2010/main" w="9525">
                 <a:solidFill>
                   <a:srgbClr val="000000"/>
                 </a:solidFill>
@@ -1839,7 +1841,7 @@
             <a:fld id="{C6C52C72-DE31-F449-A4ED-4C594FD91407}" type="datetimeFigureOut">
               <a:rPr lang="en-US" dirty="0"/>
               <a:pPr/>
-              <a:t>10/29/2019</a:t>
+              <a:t>11/4/2019</a:t>
             </a:fld>
             <a:endParaRPr lang="en-US" dirty="0"/>
           </a:p>
@@ -1992,7 +1994,7 @@
           <a:ln/>
           <a:extLst>
             <a:ext uri="{91240B29-F687-4f45-9708-019B960494DF}">
-              <a14:hiddenLine xmlns:a14="http://schemas.microsoft.com/office/drawing/2010/main" xmlns="" w="9525">
+              <a14:hiddenLine xmlns="" xmlns:a14="http://schemas.microsoft.com/office/drawing/2010/main" w="9525">
                 <a:solidFill>
                   <a:srgbClr val="000000"/>
                 </a:solidFill>
@@ -2121,7 +2123,7 @@
             <a:fld id="{ED62726E-379B-B349-9EED-81ED093FA806}" type="datetimeFigureOut">
               <a:rPr lang="en-US" dirty="0"/>
               <a:pPr/>
-              <a:t>10/29/2019</a:t>
+              <a:t>11/4/2019</a:t>
             </a:fld>
             <a:endParaRPr lang="en-US" dirty="0"/>
           </a:p>
@@ -2272,7 +2274,7 @@
           <a:ln/>
           <a:extLst>
             <a:ext uri="{91240B29-F687-4f45-9708-019B960494DF}">
-              <a14:hiddenLine xmlns:a14="http://schemas.microsoft.com/office/drawing/2010/main" xmlns="" w="9525">
+              <a14:hiddenLine xmlns="" xmlns:a14="http://schemas.microsoft.com/office/drawing/2010/main" w="9525">
                 <a:solidFill>
                   <a:srgbClr val="000000"/>
                 </a:solidFill>
@@ -2401,7 +2403,7 @@
             <a:fld id="{9B3A1323-8D79-1946-B0D7-40001CF92E9D}" type="datetimeFigureOut">
               <a:rPr lang="en-US" dirty="0"/>
               <a:pPr/>
-              <a:t>10/29/2019</a:t>
+              <a:t>11/4/2019</a:t>
             </a:fld>
             <a:endParaRPr lang="en-US" dirty="0"/>
           </a:p>
@@ -2741,7 +2743,7 @@
             <a:fld id="{8DFA1846-DA80-1C48-A609-854EA85C59AD}" type="datetimeFigureOut">
               <a:rPr lang="en-US" dirty="0"/>
               <a:pPr/>
-              <a:t>10/29/2019</a:t>
+              <a:t>11/4/2019</a:t>
             </a:fld>
             <a:endParaRPr lang="en-US" dirty="0"/>
           </a:p>
@@ -2892,7 +2894,7 @@
           <a:ln/>
           <a:extLst>
             <a:ext uri="{91240B29-F687-4f45-9708-019B960494DF}">
-              <a14:hiddenLine xmlns:a14="http://schemas.microsoft.com/office/drawing/2010/main" xmlns="" w="9525">
+              <a14:hiddenLine xmlns="" xmlns:a14="http://schemas.microsoft.com/office/drawing/2010/main" w="9525">
                 <a:solidFill>
                   <a:srgbClr val="000000"/>
                 </a:solidFill>
@@ -3077,7 +3079,7 @@
             <a:fld id="{57302355-E14B-8545-A8F8-0FE83CC9D524}" type="datetimeFigureOut">
               <a:rPr lang="en-US" dirty="0"/>
               <a:pPr/>
-              <a:t>10/29/2019</a:t>
+              <a:t>11/4/2019</a:t>
             </a:fld>
             <a:endParaRPr lang="en-US" dirty="0"/>
           </a:p>
@@ -3228,7 +3230,7 @@
           <a:ln/>
           <a:extLst>
             <a:ext uri="{91240B29-F687-4f45-9708-019B960494DF}">
-              <a14:hiddenLine xmlns:a14="http://schemas.microsoft.com/office/drawing/2010/main" xmlns="" w="9525">
+              <a14:hiddenLine xmlns="" xmlns:a14="http://schemas.microsoft.com/office/drawing/2010/main" w="9525">
                 <a:solidFill>
                   <a:srgbClr val="000000"/>
                 </a:solidFill>
@@ -3551,7 +3553,7 @@
             <a:fld id="{02640F58-564D-2B4F-AE67-E407BA4FCF45}" type="datetimeFigureOut">
               <a:rPr lang="en-US" dirty="0"/>
               <a:pPr/>
-              <a:t>10/29/2019</a:t>
+              <a:t>11/4/2019</a:t>
             </a:fld>
             <a:endParaRPr lang="en-US" dirty="0"/>
           </a:p>
@@ -3702,7 +3704,7 @@
           <a:ln/>
           <a:extLst>
             <a:ext uri="{91240B29-F687-4f45-9708-019B960494DF}">
-              <a14:hiddenLine xmlns:a14="http://schemas.microsoft.com/office/drawing/2010/main" xmlns="" w="9525">
+              <a14:hiddenLine xmlns="" xmlns:a14="http://schemas.microsoft.com/office/drawing/2010/main" w="9525">
                 <a:solidFill>
                   <a:srgbClr val="000000"/>
                 </a:solidFill>
@@ -3769,7 +3771,7 @@
             <a:fld id="{F13A34C8-038E-2045-AF43-DF7DBB8E0E9E}" type="datetimeFigureOut">
               <a:rPr lang="en-US" dirty="0"/>
               <a:pPr/>
-              <a:t>10/29/2019</a:t>
+              <a:t>11/4/2019</a:t>
             </a:fld>
             <a:endParaRPr lang="en-US" dirty="0"/>
           </a:p>
@@ -3861,7 +3863,7 @@
             <a:fld id="{8818C68F-D26B-8F47-958C-23B49CF8A634}" type="datetimeFigureOut">
               <a:rPr lang="en-US" dirty="0"/>
               <a:pPr/>
-              <a:t>10/29/2019</a:t>
+              <a:t>11/4/2019</a:t>
             </a:fld>
             <a:endParaRPr lang="en-US" dirty="0"/>
           </a:p>
@@ -4125,7 +4127,7 @@
           <a:ln/>
           <a:extLst>
             <a:ext uri="{91240B29-F687-4f45-9708-019B960494DF}">
-              <a14:hiddenLine xmlns:a14="http://schemas.microsoft.com/office/drawing/2010/main" xmlns="" w="9525">
+              <a14:hiddenLine xmlns="" xmlns:a14="http://schemas.microsoft.com/office/drawing/2010/main" w="9525">
                 <a:solidFill>
                   <a:srgbClr val="000000"/>
                 </a:solidFill>
@@ -4325,7 +4327,7 @@
             <a:fld id="{D0DF5E60-9974-AC48-9591-99C2BB44B7CF}" type="datetimeFigureOut">
               <a:rPr lang="en-US" dirty="0"/>
               <a:pPr/>
-              <a:t>10/29/2019</a:t>
+              <a:t>11/4/2019</a:t>
             </a:fld>
             <a:endParaRPr lang="en-US" dirty="0"/>
           </a:p>
@@ -4635,7 +4637,7 @@
             <a:fld id="{18C79C5D-2A6F-F04D-97DA-BEF2467B64E4}" type="datetimeFigureOut">
               <a:rPr lang="en-US" dirty="0"/>
               <a:pPr/>
-              <a:t>10/29/2019</a:t>
+              <a:t>11/4/2019</a:t>
             </a:fld>
             <a:endParaRPr lang="en-US" dirty="0"/>
           </a:p>
@@ -4902,7 +4904,7 @@
             <a:fld id="{09B482E8-6E0E-1B4F-B1FD-C69DB9E858D9}" type="datetimeFigureOut">
               <a:rPr lang="en-US" dirty="0"/>
               <a:pPr/>
-              <a:t>10/29/2019</a:t>
+              <a:t>11/4/2019</a:t>
             </a:fld>
             <a:endParaRPr lang="en-US" dirty="0"/>
           </a:p>
@@ -5415,6 +5417,13 @@
   <p:clrMapOvr>
     <a:masterClrMapping/>
   </p:clrMapOvr>
+  <p:timing>
+    <p:tnLst>
+      <p:par>
+        <p:cTn id="1" dur="indefinite" restart="never" nodeType="tmRoot"/>
+      </p:par>
+    </p:tnLst>
+  </p:timing>
 </p:sld>
 </file>
 
@@ -5491,57 +5500,7 @@
                 <a:latin typeface="Arial" panose="020B0604020202020204" pitchFamily="34" charset="0"/>
                 <a:cs typeface="Arial" panose="020B0604020202020204" pitchFamily="34" charset="0"/>
               </a:rPr>
-              <a:t>28</a:t>
-            </a:r>
-            <a:r>
-              <a:rPr lang="pt-BR" dirty="0" smtClean="0">
-                <a:solidFill>
-                  <a:schemeClr val="bg1"/>
-                </a:solidFill>
-                <a:latin typeface="Arial" panose="020B0604020202020204" pitchFamily="34" charset="0"/>
-                <a:cs typeface="Arial" panose="020B0604020202020204" pitchFamily="34" charset="0"/>
-              </a:rPr>
-              <a:t>% </a:t>
-            </a:r>
-            <a:r>
-              <a:rPr lang="pt-BR" dirty="0" smtClean="0">
-                <a:solidFill>
-                  <a:schemeClr val="bg1"/>
-                </a:solidFill>
-                <a:latin typeface="Arial" panose="020B0604020202020204" pitchFamily="34" charset="0"/>
-                <a:cs typeface="Arial" panose="020B0604020202020204" pitchFamily="34" charset="0"/>
-              </a:rPr>
-              <a:t>de </a:t>
-            </a:r>
-            <a:r>
-              <a:rPr lang="pt-BR" dirty="0" smtClean="0">
-                <a:solidFill>
-                  <a:schemeClr val="bg1"/>
-                </a:solidFill>
-                <a:latin typeface="Arial" panose="020B0604020202020204" pitchFamily="34" charset="0"/>
-                <a:cs typeface="Arial" panose="020B0604020202020204" pitchFamily="34" charset="0"/>
-              </a:rPr>
-              <a:t>todo o desperdício de alimentos na América Latina se dá pelo </a:t>
-            </a:r>
-            <a:r>
-              <a:rPr lang="pt-BR" dirty="0" smtClean="0">
-                <a:solidFill>
-                  <a:schemeClr val="bg1"/>
-                </a:solidFill>
-                <a:latin typeface="Arial" panose="020B0604020202020204" pitchFamily="34" charset="0"/>
-                <a:cs typeface="Arial" panose="020B0604020202020204" pitchFamily="34" charset="0"/>
-              </a:rPr>
-              <a:t>consumidor final</a:t>
-            </a:r>
-            <a:r>
-              <a:rPr lang="pt-BR" dirty="0" smtClean="0">
-                <a:solidFill>
-                  <a:schemeClr val="bg1"/>
-                </a:solidFill>
-                <a:latin typeface="Arial" panose="020B0604020202020204" pitchFamily="34" charset="0"/>
-                <a:cs typeface="Arial" panose="020B0604020202020204" pitchFamily="34" charset="0"/>
-              </a:rPr>
-              <a:t>.</a:t>
+              <a:t>28% de todo o desperdício de alimentos na América Latina se dá pelo consumidor final.</a:t>
             </a:r>
           </a:p>
           <a:p>
@@ -5574,6 +5533,13 @@
   <p:clrMapOvr>
     <a:masterClrMapping/>
   </p:clrMapOvr>
+  <p:timing>
+    <p:tnLst>
+      <p:par>
+        <p:cTn id="1" dur="indefinite" restart="never" nodeType="tmRoot"/>
+      </p:par>
+    </p:tnLst>
+  </p:timing>
 </p:sld>
 </file>
 
@@ -5681,6 +5647,13 @@
   <p:clrMapOvr>
     <a:masterClrMapping/>
   </p:clrMapOvr>
+  <p:timing>
+    <p:tnLst>
+      <p:par>
+        <p:cTn id="1" dur="indefinite" restart="never" nodeType="tmRoot"/>
+      </p:par>
+    </p:tnLst>
+  </p:timing>
 </p:sld>
 </file>
 
@@ -5771,25 +5744,8 @@
                   <a:schemeClr val="bg1"/>
                 </a:solidFill>
               </a:rPr>
-              <a:t>Gerenciamento de elementos;</a:t>
-            </a:r>
-          </a:p>
-          <a:p>
-            <a:r>
-              <a:rPr lang="pt-BR" dirty="0" smtClean="0">
-                <a:solidFill>
-                  <a:schemeClr val="bg1"/>
-                </a:solidFill>
-              </a:rPr>
-              <a:t>Facilitar o manuseio;</a:t>
-            </a:r>
-          </a:p>
-          <a:p>
-            <a:endParaRPr lang="pt-BR" dirty="0" smtClean="0">
-              <a:solidFill>
-                <a:schemeClr val="bg1"/>
-              </a:solidFill>
-            </a:endParaRPr>
+              <a:t>Gerenciamento de alimentos;</a:t>
+            </a:r>
           </a:p>
         </p:txBody>
       </p:sp>
@@ -5803,6 +5759,577 @@
   <p:clrMapOvr>
     <a:masterClrMapping/>
   </p:clrMapOvr>
+  <p:timing>
+    <p:tnLst>
+      <p:par>
+        <p:cTn id="1" dur="indefinite" restart="never" nodeType="tmRoot"/>
+      </p:par>
+    </p:tnLst>
+  </p:timing>
+</p:sld>
+</file>
+
+<file path=ppt/slides/slide5.xml><?xml version="1.0" encoding="utf-8"?>
+<p:sld xmlns:a="http://schemas.openxmlformats.org/drawingml/2006/main" xmlns:r="http://schemas.openxmlformats.org/officeDocument/2006/relationships" xmlns:p="http://schemas.openxmlformats.org/presentationml/2006/main">
+  <p:cSld>
+    <p:bg>
+      <p:bgPr>
+        <a:solidFill>
+          <a:schemeClr val="tx1"/>
+        </a:solidFill>
+        <a:effectLst/>
+      </p:bgPr>
+    </p:bg>
+    <p:spTree>
+      <p:nvGrpSpPr>
+        <p:cNvPr id="1" name=""/>
+        <p:cNvGrpSpPr/>
+        <p:nvPr/>
+      </p:nvGrpSpPr>
+      <p:grpSpPr>
+        <a:xfrm>
+          <a:off x="0" y="0"/>
+          <a:ext cx="0" cy="0"/>
+          <a:chOff x="0" y="0"/>
+          <a:chExt cx="0" cy="0"/>
+        </a:xfrm>
+      </p:grpSpPr>
+      <p:sp>
+        <p:nvSpPr>
+          <p:cNvPr id="2" name="Título 1"/>
+          <p:cNvSpPr>
+            <a:spLocks noGrp="1"/>
+          </p:cNvSpPr>
+          <p:nvPr>
+            <p:ph type="title"/>
+          </p:nvPr>
+        </p:nvSpPr>
+        <p:spPr/>
+        <p:txBody>
+          <a:bodyPr/>
+          <a:lstStyle/>
+          <a:p>
+            <a:r>
+              <a:rPr lang="pt-BR" dirty="0" smtClean="0"/>
+              <a:t>Classificações do usuário</a:t>
+            </a:r>
+            <a:endParaRPr lang="pt-BR" dirty="0"/>
+          </a:p>
+        </p:txBody>
+      </p:sp>
+      <p:sp>
+        <p:nvSpPr>
+          <p:cNvPr id="3" name="Espaço Reservado para Conteúdo 2"/>
+          <p:cNvSpPr>
+            <a:spLocks noGrp="1"/>
+          </p:cNvSpPr>
+          <p:nvPr>
+            <p:ph idx="1"/>
+          </p:nvPr>
+        </p:nvSpPr>
+        <p:spPr/>
+        <p:txBody>
+          <a:bodyPr/>
+          <a:lstStyle/>
+          <a:p>
+            <a:r>
+              <a:rPr lang="pt-BR" dirty="0" smtClean="0">
+                <a:solidFill>
+                  <a:schemeClr val="bg1"/>
+                </a:solidFill>
+              </a:rPr>
+              <a:t>Iniciante					de  00 até 00</a:t>
+            </a:r>
+          </a:p>
+          <a:p>
+            <a:r>
+              <a:rPr lang="pt-BR" dirty="0" smtClean="0">
+                <a:solidFill>
+                  <a:schemeClr val="bg1"/>
+                </a:solidFill>
+              </a:rPr>
+              <a:t>Steward					de  01 </a:t>
+            </a:r>
+            <a:r>
+              <a:rPr lang="pt-BR" dirty="0">
+                <a:solidFill>
+                  <a:schemeClr val="bg1"/>
+                </a:solidFill>
+              </a:rPr>
+              <a:t>até </a:t>
+            </a:r>
+            <a:r>
+              <a:rPr lang="pt-BR" dirty="0" smtClean="0">
+                <a:solidFill>
+                  <a:schemeClr val="bg1"/>
+                </a:solidFill>
+              </a:rPr>
+              <a:t>04</a:t>
+            </a:r>
+          </a:p>
+          <a:p>
+            <a:r>
+              <a:rPr lang="pt-BR" dirty="0" smtClean="0">
+                <a:solidFill>
+                  <a:schemeClr val="bg1"/>
+                </a:solidFill>
+              </a:rPr>
+              <a:t>Auxiliar </a:t>
+            </a:r>
+            <a:r>
+              <a:rPr lang="pt-BR" dirty="0">
+                <a:solidFill>
+                  <a:schemeClr val="bg1"/>
+                </a:solidFill>
+              </a:rPr>
+              <a:t>de cozinha		de  </a:t>
+            </a:r>
+            <a:r>
+              <a:rPr lang="pt-BR" dirty="0" smtClean="0">
+                <a:solidFill>
+                  <a:schemeClr val="bg1"/>
+                </a:solidFill>
+              </a:rPr>
+              <a:t>05 </a:t>
+            </a:r>
+            <a:r>
+              <a:rPr lang="pt-BR" dirty="0">
+                <a:solidFill>
+                  <a:schemeClr val="bg1"/>
+                </a:solidFill>
+              </a:rPr>
+              <a:t>até </a:t>
+            </a:r>
+            <a:r>
+              <a:rPr lang="pt-BR" dirty="0" smtClean="0">
+                <a:solidFill>
+                  <a:schemeClr val="bg1"/>
+                </a:solidFill>
+              </a:rPr>
+              <a:t>14</a:t>
+            </a:r>
+          </a:p>
+          <a:p>
+            <a:r>
+              <a:rPr lang="pt-BR" dirty="0" smtClean="0">
+                <a:solidFill>
+                  <a:schemeClr val="bg1"/>
+                </a:solidFill>
+              </a:rPr>
+              <a:t>Cozinheiro nível 1			de  15 </a:t>
+            </a:r>
+            <a:r>
+              <a:rPr lang="pt-BR" dirty="0">
+                <a:solidFill>
+                  <a:schemeClr val="bg1"/>
+                </a:solidFill>
+              </a:rPr>
+              <a:t>até </a:t>
+            </a:r>
+            <a:r>
+              <a:rPr lang="pt-BR" dirty="0" smtClean="0">
+                <a:solidFill>
+                  <a:schemeClr val="bg1"/>
+                </a:solidFill>
+              </a:rPr>
+              <a:t>24</a:t>
+            </a:r>
+          </a:p>
+          <a:p>
+            <a:r>
+              <a:rPr lang="pt-BR" dirty="0" smtClean="0">
+                <a:solidFill>
+                  <a:schemeClr val="bg1"/>
+                </a:solidFill>
+              </a:rPr>
+              <a:t>Cozinheiro </a:t>
+            </a:r>
+            <a:r>
+              <a:rPr lang="pt-BR" dirty="0">
+                <a:solidFill>
+                  <a:schemeClr val="bg1"/>
+                </a:solidFill>
+              </a:rPr>
+              <a:t>nível 2			</a:t>
+            </a:r>
+            <a:r>
+              <a:rPr lang="pt-BR" dirty="0" smtClean="0">
+                <a:solidFill>
+                  <a:schemeClr val="bg1"/>
+                </a:solidFill>
+              </a:rPr>
+              <a:t>de  25 </a:t>
+            </a:r>
+            <a:r>
+              <a:rPr lang="pt-BR" dirty="0">
+                <a:solidFill>
+                  <a:schemeClr val="bg1"/>
+                </a:solidFill>
+              </a:rPr>
+              <a:t>até </a:t>
+            </a:r>
+            <a:r>
+              <a:rPr lang="pt-BR" dirty="0" smtClean="0">
+                <a:solidFill>
+                  <a:schemeClr val="bg1"/>
+                </a:solidFill>
+              </a:rPr>
+              <a:t>39</a:t>
+            </a:r>
+          </a:p>
+          <a:p>
+            <a:r>
+              <a:rPr lang="pt-BR" dirty="0" err="1" smtClean="0">
+                <a:solidFill>
+                  <a:schemeClr val="bg1"/>
+                </a:solidFill>
+              </a:rPr>
+              <a:t>Souschef</a:t>
+            </a:r>
+            <a:r>
+              <a:rPr lang="pt-BR" dirty="0" smtClean="0">
+                <a:solidFill>
+                  <a:schemeClr val="bg1"/>
+                </a:solidFill>
+              </a:rPr>
+              <a:t>					de  40 </a:t>
+            </a:r>
+            <a:r>
+              <a:rPr lang="pt-BR" dirty="0">
+                <a:solidFill>
+                  <a:schemeClr val="bg1"/>
+                </a:solidFill>
+              </a:rPr>
+              <a:t>até </a:t>
+            </a:r>
+            <a:r>
+              <a:rPr lang="pt-BR" dirty="0" smtClean="0">
+                <a:solidFill>
+                  <a:schemeClr val="bg1"/>
+                </a:solidFill>
+              </a:rPr>
+              <a:t>59</a:t>
+            </a:r>
+          </a:p>
+          <a:p>
+            <a:r>
+              <a:rPr lang="pt-BR" dirty="0" smtClean="0">
+                <a:solidFill>
+                  <a:schemeClr val="bg1"/>
+                </a:solidFill>
+              </a:rPr>
+              <a:t>Chef </a:t>
+            </a:r>
+            <a:r>
+              <a:rPr lang="pt-BR" dirty="0">
+                <a:solidFill>
+                  <a:schemeClr val="bg1"/>
+                </a:solidFill>
+              </a:rPr>
+              <a:t>de cozinha		</a:t>
+            </a:r>
+            <a:r>
+              <a:rPr lang="pt-BR" dirty="0" smtClean="0">
+                <a:solidFill>
+                  <a:schemeClr val="bg1"/>
+                </a:solidFill>
+              </a:rPr>
+              <a:t>	a partir de 60</a:t>
+            </a:r>
+          </a:p>
+        </p:txBody>
+      </p:sp>
+    </p:spTree>
+    <p:extLst>
+      <p:ext uri="{BB962C8B-B14F-4D97-AF65-F5344CB8AC3E}">
+        <p14:creationId xmlns:p14="http://schemas.microsoft.com/office/powerpoint/2010/main" val="1876320697"/>
+      </p:ext>
+    </p:extLst>
+  </p:cSld>
+  <p:clrMapOvr>
+    <a:masterClrMapping/>
+  </p:clrMapOvr>
+  <p:timing>
+    <p:tnLst>
+      <p:par>
+        <p:cTn id="1" dur="indefinite" restart="never" nodeType="tmRoot"/>
+      </p:par>
+    </p:tnLst>
+  </p:timing>
+</p:sld>
+</file>
+
+<file path=ppt/slides/slide6.xml><?xml version="1.0" encoding="utf-8"?>
+<p:sld xmlns:a="http://schemas.openxmlformats.org/drawingml/2006/main" xmlns:r="http://schemas.openxmlformats.org/officeDocument/2006/relationships" xmlns:p="http://schemas.openxmlformats.org/presentationml/2006/main">
+  <p:cSld>
+    <p:bg>
+      <p:bgPr>
+        <a:solidFill>
+          <a:schemeClr val="tx1"/>
+        </a:solidFill>
+        <a:effectLst/>
+      </p:bgPr>
+    </p:bg>
+    <p:spTree>
+      <p:nvGrpSpPr>
+        <p:cNvPr id="1" name=""/>
+        <p:cNvGrpSpPr/>
+        <p:nvPr/>
+      </p:nvGrpSpPr>
+      <p:grpSpPr>
+        <a:xfrm>
+          <a:off x="0" y="0"/>
+          <a:ext cx="0" cy="0"/>
+          <a:chOff x="0" y="0"/>
+          <a:chExt cx="0" cy="0"/>
+        </a:xfrm>
+      </p:grpSpPr>
+      <p:sp>
+        <p:nvSpPr>
+          <p:cNvPr id="2" name="Título 1"/>
+          <p:cNvSpPr>
+            <a:spLocks noGrp="1"/>
+          </p:cNvSpPr>
+          <p:nvPr>
+            <p:ph type="title"/>
+          </p:nvPr>
+        </p:nvSpPr>
+        <p:spPr/>
+        <p:txBody>
+          <a:bodyPr/>
+          <a:lstStyle/>
+          <a:p>
+            <a:r>
+              <a:rPr lang="pt-BR" dirty="0" smtClean="0"/>
+              <a:t>Referências</a:t>
+            </a:r>
+            <a:endParaRPr lang="pt-BR" dirty="0"/>
+          </a:p>
+        </p:txBody>
+      </p:sp>
+      <p:sp>
+        <p:nvSpPr>
+          <p:cNvPr id="3" name="Espaço Reservado para Conteúdo 2"/>
+          <p:cNvSpPr>
+            <a:spLocks noGrp="1"/>
+          </p:cNvSpPr>
+          <p:nvPr>
+            <p:ph idx="1"/>
+          </p:nvPr>
+        </p:nvSpPr>
+        <p:spPr/>
+        <p:txBody>
+          <a:bodyPr>
+            <a:normAutofit lnSpcReduction="10000"/>
+          </a:bodyPr>
+          <a:lstStyle/>
+          <a:p>
+            <a:pPr marL="0" indent="0">
+              <a:buNone/>
+            </a:pPr>
+            <a:r>
+              <a:rPr lang="pt-BR" dirty="0">
+                <a:solidFill>
+                  <a:schemeClr val="bg1"/>
+                </a:solidFill>
+              </a:rPr>
+              <a:t>BENÍTEZ, R. O. </a:t>
+            </a:r>
+            <a:r>
+              <a:rPr lang="pt-BR" b="1" dirty="0">
+                <a:solidFill>
+                  <a:schemeClr val="bg1"/>
+                </a:solidFill>
+              </a:rPr>
+              <a:t>Perdas e desperdícios de Alimentos na América Latina e o Caribe</a:t>
+            </a:r>
+            <a:r>
+              <a:rPr lang="pt-BR" dirty="0">
+                <a:solidFill>
+                  <a:schemeClr val="bg1"/>
+                </a:solidFill>
+              </a:rPr>
+              <a:t>. Disponível em &lt;http://www.fao.org/americas/noticias/ver/pt/c/239394/&gt;. Acesso em: 24 abr. 2019</a:t>
+            </a:r>
+            <a:r>
+              <a:rPr lang="pt-BR" dirty="0" smtClean="0">
+                <a:solidFill>
+                  <a:schemeClr val="bg1"/>
+                </a:solidFill>
+              </a:rPr>
+              <a:t>.</a:t>
+            </a:r>
+          </a:p>
+          <a:p>
+            <a:pPr marL="0" indent="0">
+              <a:buNone/>
+            </a:pPr>
+            <a:endParaRPr lang="pt-BR" dirty="0">
+              <a:solidFill>
+                <a:schemeClr val="bg1"/>
+              </a:solidFill>
+            </a:endParaRPr>
+          </a:p>
+          <a:p>
+            <a:pPr marL="0" indent="0">
+              <a:buNone/>
+            </a:pPr>
+            <a:r>
+              <a:rPr lang="pt-BR" dirty="0">
+                <a:solidFill>
+                  <a:schemeClr val="bg1"/>
+                </a:solidFill>
+              </a:rPr>
+              <a:t>LOBO, R. </a:t>
+            </a:r>
+            <a:r>
+              <a:rPr lang="pt-BR" b="1" dirty="0">
+                <a:solidFill>
+                  <a:schemeClr val="bg1"/>
+                </a:solidFill>
+              </a:rPr>
+              <a:t>Cozinha a quatro mãos</a:t>
+            </a:r>
+            <a:r>
+              <a:rPr lang="pt-BR" dirty="0">
+                <a:solidFill>
+                  <a:schemeClr val="bg1"/>
+                </a:solidFill>
+              </a:rPr>
+              <a:t>. São Paulo: SENAC – Panelinha, 2018.</a:t>
+            </a:r>
+          </a:p>
+          <a:p>
+            <a:pPr marL="0" indent="0">
+              <a:buNone/>
+            </a:pPr>
+            <a:endParaRPr lang="pt-BR" dirty="0" smtClean="0">
+              <a:solidFill>
+                <a:schemeClr val="bg1"/>
+              </a:solidFill>
+            </a:endParaRPr>
+          </a:p>
+          <a:p>
+            <a:pPr marL="0" indent="0">
+              <a:buNone/>
+            </a:pPr>
+            <a:r>
+              <a:rPr lang="pt-BR" dirty="0">
+                <a:solidFill>
+                  <a:schemeClr val="bg1"/>
+                </a:solidFill>
+              </a:rPr>
+              <a:t>PORPINO G. </a:t>
+            </a:r>
+            <a:r>
+              <a:rPr lang="pt-BR" b="1" dirty="0">
+                <a:solidFill>
+                  <a:schemeClr val="bg1"/>
+                </a:solidFill>
+              </a:rPr>
+              <a:t>Desperdício de Alimentos: Velhos hábitos, novos desafios</a:t>
+            </a:r>
+            <a:r>
+              <a:rPr lang="pt-BR" dirty="0">
+                <a:solidFill>
+                  <a:schemeClr val="bg1"/>
+                </a:solidFill>
+              </a:rPr>
+              <a:t>. Caxias do Sul: </a:t>
+            </a:r>
+            <a:r>
+              <a:rPr lang="pt-BR" dirty="0" err="1">
+                <a:solidFill>
+                  <a:schemeClr val="bg1"/>
+                </a:solidFill>
+              </a:rPr>
+              <a:t>Educs</a:t>
+            </a:r>
+            <a:r>
+              <a:rPr lang="pt-BR" dirty="0">
+                <a:solidFill>
+                  <a:schemeClr val="bg1"/>
+                </a:solidFill>
+              </a:rPr>
+              <a:t>, 2018</a:t>
+            </a:r>
+            <a:r>
+              <a:rPr lang="pt-BR" dirty="0" smtClean="0">
+                <a:solidFill>
+                  <a:schemeClr val="bg1"/>
+                </a:solidFill>
+              </a:rPr>
+              <a:t>.</a:t>
+            </a:r>
+          </a:p>
+          <a:p>
+            <a:pPr marL="0" indent="0">
+              <a:buNone/>
+            </a:pPr>
+            <a:endParaRPr lang="pt-BR" dirty="0">
+              <a:solidFill>
+                <a:schemeClr val="bg1"/>
+              </a:solidFill>
+            </a:endParaRPr>
+          </a:p>
+          <a:p>
+            <a:pPr marL="0" indent="0">
+              <a:buNone/>
+            </a:pPr>
+            <a:r>
+              <a:rPr lang="pt-BR" dirty="0" smtClean="0">
+                <a:solidFill>
+                  <a:schemeClr val="bg1"/>
+                </a:solidFill>
+              </a:rPr>
+              <a:t>Autor: Leandro soares Moreira</a:t>
+            </a:r>
+          </a:p>
+          <a:p>
+            <a:pPr marL="0" indent="0">
+              <a:buNone/>
+            </a:pPr>
+            <a:r>
+              <a:rPr lang="pt-BR" dirty="0">
+                <a:solidFill>
+                  <a:schemeClr val="bg1"/>
+                </a:solidFill>
+              </a:rPr>
+              <a:t>l</a:t>
+            </a:r>
+            <a:r>
+              <a:rPr lang="pt-BR" smtClean="0">
+                <a:solidFill>
+                  <a:schemeClr val="bg1"/>
+                </a:solidFill>
+              </a:rPr>
+              <a:t>eandro.gênios@gmail.com</a:t>
+            </a:r>
+            <a:endParaRPr lang="pt-BR" dirty="0">
+              <a:solidFill>
+                <a:schemeClr val="bg1"/>
+              </a:solidFill>
+            </a:endParaRPr>
+          </a:p>
+        </p:txBody>
+      </p:sp>
+    </p:spTree>
+    <p:extLst>
+      <p:ext uri="{BB962C8B-B14F-4D97-AF65-F5344CB8AC3E}">
+        <p14:creationId xmlns:p14="http://schemas.microsoft.com/office/powerpoint/2010/main" val="402296984"/>
+      </p:ext>
+    </p:extLst>
+  </p:cSld>
+  <p:clrMapOvr>
+    <a:masterClrMapping/>
+  </p:clrMapOvr>
+  <p:timing>
+    <p:tnLst>
+      <p:par>
+        <p:cTn id="1" dur="indefinite" restart="never" nodeType="tmRoot"/>
+      </p:par>
+    </p:tnLst>
+  </p:timing>
 </p:sld>
 </file>
 

--- a/Nova pasta/MAIS PRATOS.pptx
+++ b/Nova pasta/MAIS PRATOS.pptx
@@ -5617,22 +5617,20 @@
           </a:p>
           <a:p>
             <a:r>
+              <a:rPr lang="pt-BR" smtClean="0">
+                <a:solidFill>
+                  <a:schemeClr val="bg1"/>
+                </a:solidFill>
+              </a:rPr>
+              <a:t>Falta </a:t>
+            </a:r>
+            <a:r>
               <a:rPr lang="pt-BR" dirty="0" smtClean="0">
                 <a:solidFill>
                   <a:schemeClr val="bg1"/>
                 </a:solidFill>
               </a:rPr>
-              <a:t>Monopolização da cozinha;</a:t>
-            </a:r>
-          </a:p>
-          <a:p>
-            <a:r>
-              <a:rPr lang="pt-BR" dirty="0" smtClean="0">
-                <a:solidFill>
-                  <a:schemeClr val="bg1"/>
-                </a:solidFill>
-              </a:rPr>
-              <a:t>Falta de preparo;</a:t>
+              <a:t>de preparo;</a:t>
             </a:r>
           </a:p>
         </p:txBody>
@@ -5721,30 +5719,22 @@
           <a:lstStyle/>
           <a:p>
             <a:r>
-              <a:rPr lang="pt-BR" dirty="0" err="1" smtClean="0">
-                <a:solidFill>
-                  <a:schemeClr val="bg1"/>
-                </a:solidFill>
-              </a:rPr>
-              <a:t>Gamification</a:t>
-            </a:r>
-            <a:r>
-              <a:rPr lang="pt-BR" dirty="0" smtClean="0">
-                <a:solidFill>
-                  <a:schemeClr val="bg1"/>
-                </a:solidFill>
-              </a:rPr>
-              <a:t>;</a:t>
-            </a:r>
-          </a:p>
-          <a:p>
-            <a:r>
-              <a:rPr lang="pt-BR" dirty="0" smtClean="0">
+              <a:rPr lang="pt-BR" dirty="0">
                 <a:solidFill>
                   <a:schemeClr val="bg1"/>
                 </a:solidFill>
               </a:rPr>
               <a:t>Gerenciamento de alimentos;</a:t>
+            </a:r>
+          </a:p>
+          <a:p>
+            <a:r>
+              <a:rPr lang="pt-BR" dirty="0" smtClean="0">
+                <a:solidFill>
+                  <a:schemeClr val="bg1"/>
+                </a:solidFill>
+              </a:rPr>
+              <a:t>Gamification;</a:t>
             </a:r>
           </a:p>
         </p:txBody>
@@ -6298,7 +6288,7 @@
               <a:t>l</a:t>
             </a:r>
             <a:r>
-              <a:rPr lang="pt-BR" smtClean="0">
+              <a:rPr lang="pt-BR" dirty="0" smtClean="0">
                 <a:solidFill>
                   <a:schemeClr val="bg1"/>
                 </a:solidFill>
